--- a/Calendario/Presentaciones/5_2_Condicionales_Anidadas.pptx
+++ b/Calendario/Presentaciones/5_2_Condicionales_Anidadas.pptx
@@ -220,7 +220,7 @@
           <a:p>
             <a:fld id="{99113E7F-688C-4287-A789-95242E967543}" type="datetimeFigureOut">
               <a:rPr lang="es-MX" smtClean="0"/>
-              <a:t>17/01/2022</a:t>
+              <a:t>23/02/2022</a:t>
             </a:fld>
             <a:endParaRPr lang="es-MX" dirty="0"/>
           </a:p>
@@ -837,7 +837,7 @@
           <a:p>
             <a:fld id="{5AE9B9E1-49A6-45B7-B9F9-AD67F0542887}" type="datetimeFigureOut">
               <a:rPr lang="es-MX" smtClean="0"/>
-              <a:t>17/01/2022</a:t>
+              <a:t>23/02/2022</a:t>
             </a:fld>
             <a:endParaRPr lang="es-MX" dirty="0"/>
           </a:p>
@@ -1007,7 +1007,7 @@
           <a:p>
             <a:fld id="{5AE9B9E1-49A6-45B7-B9F9-AD67F0542887}" type="datetimeFigureOut">
               <a:rPr lang="es-MX" smtClean="0"/>
-              <a:t>17/01/2022</a:t>
+              <a:t>23/02/2022</a:t>
             </a:fld>
             <a:endParaRPr lang="es-MX" dirty="0"/>
           </a:p>
@@ -1187,7 +1187,7 @@
           <a:p>
             <a:fld id="{5AE9B9E1-49A6-45B7-B9F9-AD67F0542887}" type="datetimeFigureOut">
               <a:rPr lang="es-MX" smtClean="0"/>
-              <a:t>17/01/2022</a:t>
+              <a:t>23/02/2022</a:t>
             </a:fld>
             <a:endParaRPr lang="es-MX" dirty="0"/>
           </a:p>
@@ -1585,7 +1585,7 @@
           <a:p>
             <a:fld id="{5AE9B9E1-49A6-45B7-B9F9-AD67F0542887}" type="datetimeFigureOut">
               <a:rPr lang="es-MX" smtClean="0"/>
-              <a:t>17/01/2022</a:t>
+              <a:t>23/02/2022</a:t>
             </a:fld>
             <a:endParaRPr lang="es-MX" dirty="0"/>
           </a:p>
@@ -1831,7 +1831,7 @@
           <a:p>
             <a:fld id="{5AE9B9E1-49A6-45B7-B9F9-AD67F0542887}" type="datetimeFigureOut">
               <a:rPr lang="es-MX" smtClean="0"/>
-              <a:t>17/01/2022</a:t>
+              <a:t>23/02/2022</a:t>
             </a:fld>
             <a:endParaRPr lang="es-MX" dirty="0"/>
           </a:p>
@@ -2119,7 +2119,7 @@
           <a:p>
             <a:fld id="{5AE9B9E1-49A6-45B7-B9F9-AD67F0542887}" type="datetimeFigureOut">
               <a:rPr lang="es-MX" smtClean="0"/>
-              <a:t>17/01/2022</a:t>
+              <a:t>23/02/2022</a:t>
             </a:fld>
             <a:endParaRPr lang="es-MX" dirty="0"/>
           </a:p>
@@ -2541,7 +2541,7 @@
           <a:p>
             <a:fld id="{5AE9B9E1-49A6-45B7-B9F9-AD67F0542887}" type="datetimeFigureOut">
               <a:rPr lang="es-MX" smtClean="0"/>
-              <a:t>17/01/2022</a:t>
+              <a:t>23/02/2022</a:t>
             </a:fld>
             <a:endParaRPr lang="es-MX" dirty="0"/>
           </a:p>
@@ -2659,7 +2659,7 @@
           <a:p>
             <a:fld id="{5AE9B9E1-49A6-45B7-B9F9-AD67F0542887}" type="datetimeFigureOut">
               <a:rPr lang="es-MX" smtClean="0"/>
-              <a:t>17/01/2022</a:t>
+              <a:t>23/02/2022</a:t>
             </a:fld>
             <a:endParaRPr lang="es-MX" dirty="0"/>
           </a:p>
@@ -2754,7 +2754,7 @@
           <a:p>
             <a:fld id="{5AE9B9E1-49A6-45B7-B9F9-AD67F0542887}" type="datetimeFigureOut">
               <a:rPr lang="es-MX" smtClean="0"/>
-              <a:t>17/01/2022</a:t>
+              <a:t>23/02/2022</a:t>
             </a:fld>
             <a:endParaRPr lang="es-MX" dirty="0"/>
           </a:p>
@@ -3031,7 +3031,7 @@
           <a:p>
             <a:fld id="{5AE9B9E1-49A6-45B7-B9F9-AD67F0542887}" type="datetimeFigureOut">
               <a:rPr lang="es-MX" smtClean="0"/>
-              <a:t>17/01/2022</a:t>
+              <a:t>23/02/2022</a:t>
             </a:fld>
             <a:endParaRPr lang="es-MX" dirty="0"/>
           </a:p>
@@ -3284,7 +3284,7 @@
           <a:p>
             <a:fld id="{5AE9B9E1-49A6-45B7-B9F9-AD67F0542887}" type="datetimeFigureOut">
               <a:rPr lang="es-MX" smtClean="0"/>
-              <a:t>17/01/2022</a:t>
+              <a:t>23/02/2022</a:t>
             </a:fld>
             <a:endParaRPr lang="es-MX" dirty="0"/>
           </a:p>
@@ -3497,7 +3497,7 @@
           <a:p>
             <a:fld id="{5AE9B9E1-49A6-45B7-B9F9-AD67F0542887}" type="datetimeFigureOut">
               <a:rPr lang="es-MX" smtClean="0"/>
-              <a:t>17/01/2022</a:t>
+              <a:t>23/02/2022</a:t>
             </a:fld>
             <a:endParaRPr lang="es-MX" dirty="0"/>
           </a:p>
@@ -13632,8 +13632,8 @@
         </p:nvSpPr>
         <p:spPr>
           <a:xfrm>
-            <a:off x="539552" y="332656"/>
-            <a:ext cx="8280400" cy="3762697"/>
+            <a:off x="503548" y="480720"/>
+            <a:ext cx="8136904" cy="3762697"/>
           </a:xfrm>
           <a:prstGeom prst="rect">
             <a:avLst/>
@@ -13643,12 +13643,12 @@
           </a:solidFill>
         </p:spPr>
         <p:txBody>
-          <a:bodyPr>
+          <a:bodyPr wrap="square">
             <a:spAutoFit/>
           </a:bodyPr>
           <a:lstStyle/>
           <a:p>
-            <a:pPr>
+            <a:pPr algn="ctr">
               <a:lnSpc>
                 <a:spcPts val="3400"/>
               </a:lnSpc>
@@ -13657,8 +13657,8 @@
             <a:r>
               <a:rPr lang="es-MX" sz="2400" b="1" dirty="0">
                 <a:solidFill>
-                  <a:schemeClr val="bg2">
-                    <a:lumMod val="25000"/>
+                  <a:schemeClr val="accent6">
+                    <a:lumMod val="75000"/>
                   </a:schemeClr>
                 </a:solidFill>
                 <a:latin typeface="Arial" pitchFamily="34" charset="0"/>
@@ -13669,8 +13669,8 @@
             <a:r>
               <a:rPr lang="es-MX" sz="2400" dirty="0">
                 <a:solidFill>
-                  <a:schemeClr val="bg2">
-                    <a:lumMod val="25000"/>
+                  <a:schemeClr val="accent6">
+                    <a:lumMod val="75000"/>
                   </a:schemeClr>
                 </a:solidFill>
                 <a:latin typeface="Arial" pitchFamily="34" charset="0"/>
@@ -13899,7 +13899,7 @@
         </p:blipFill>
         <p:spPr bwMode="auto">
           <a:xfrm>
-            <a:off x="4067944" y="4796246"/>
+            <a:off x="3734367" y="4796246"/>
             <a:ext cx="2390665" cy="1584176"/>
           </a:xfrm>
           <a:prstGeom prst="rect">
@@ -13940,7 +13940,7 @@
         </p:nvSpPr>
         <p:spPr bwMode="auto">
           <a:xfrm>
-            <a:off x="6093250" y="5085184"/>
+            <a:off x="6012160" y="5085183"/>
             <a:ext cx="2750705" cy="1006301"/>
           </a:xfrm>
           <a:prstGeom prst="rect">
@@ -14042,8 +14042,8 @@
         </p:nvSpPr>
         <p:spPr>
           <a:xfrm>
-            <a:off x="827584" y="307600"/>
-            <a:ext cx="7812856" cy="6242799"/>
+            <a:off x="449548" y="221916"/>
+            <a:ext cx="8244904" cy="6242799"/>
           </a:xfrm>
           <a:prstGeom prst="rect">
             <a:avLst/>
@@ -14067,26 +14067,14 @@
             <a:r>
               <a:rPr lang="es-MX" sz="2300" b="1" dirty="0">
                 <a:solidFill>
-                  <a:schemeClr val="bg2">
-                    <a:lumMod val="25000"/>
+                  <a:schemeClr val="accent6">
+                    <a:lumMod val="75000"/>
                   </a:schemeClr>
                 </a:solidFill>
                 <a:latin typeface="Arial" pitchFamily="34" charset="0"/>
                 <a:cs typeface="Arial" pitchFamily="34" charset="0"/>
               </a:rPr>
-              <a:t>Algoritmo: </a:t>
-            </a:r>
-            <a:r>
-              <a:rPr lang="es-MX" sz="2300" dirty="0">
-                <a:solidFill>
-                  <a:schemeClr val="bg2">
-                    <a:lumMod val="25000"/>
-                  </a:schemeClr>
-                </a:solidFill>
-                <a:latin typeface="Arial" pitchFamily="34" charset="0"/>
-                <a:cs typeface="Arial" pitchFamily="34" charset="0"/>
-              </a:rPr>
-              <a:t>Obtener el día correspondiente según la tabla</a:t>
+              <a:t>Algoritmo: Obtener el día correspondiente según la tabla</a:t>
             </a:r>
           </a:p>
           <a:p>
@@ -14095,8 +14083,8 @@
             </a:pPr>
             <a:endParaRPr lang="es-MX" sz="2300" dirty="0">
               <a:solidFill>
-                <a:schemeClr val="bg2">
-                  <a:lumMod val="25000"/>
+                <a:schemeClr val="accent6">
+                  <a:lumMod val="75000"/>
                 </a:schemeClr>
               </a:solidFill>
               <a:latin typeface="Arial" pitchFamily="34" charset="0"/>
@@ -14112,11 +14100,6 @@
             </a:pPr>
             <a:r>
               <a:rPr lang="es-MX" sz="2200" dirty="0">
-                <a:solidFill>
-                  <a:schemeClr val="bg2">
-                    <a:lumMod val="25000"/>
-                  </a:schemeClr>
-                </a:solidFill>
                 <a:latin typeface="Arial" pitchFamily="34" charset="0"/>
                 <a:cs typeface="Arial" pitchFamily="34" charset="0"/>
               </a:rPr>
@@ -14135,19 +14118,7 @@
                 <a:latin typeface="Arial" pitchFamily="34" charset="0"/>
                 <a:cs typeface="Arial" pitchFamily="34" charset="0"/>
               </a:rPr>
-              <a:t>Si día = </a:t>
-            </a:r>
-            <a:r>
-              <a:rPr lang="es-MX" sz="2200" dirty="0">
-                <a:solidFill>
-                  <a:schemeClr val="bg2">
-                    <a:lumMod val="25000"/>
-                  </a:schemeClr>
-                </a:solidFill>
-                <a:latin typeface="Arial" pitchFamily="34" charset="0"/>
-                <a:cs typeface="Arial" pitchFamily="34" charset="0"/>
-              </a:rPr>
-              <a:t>0 </a:t>
+              <a:t>Si día = 0 </a:t>
             </a:r>
           </a:p>
           <a:p>
@@ -14158,28 +14129,11 @@
               <a:defRPr/>
             </a:pPr>
             <a:r>
-              <a:rPr lang="es-MX" sz="2200" b="1" dirty="0">
-                <a:solidFill>
-                  <a:schemeClr val="bg2">
-                    <a:lumMod val="25000"/>
-                  </a:schemeClr>
-                </a:solidFill>
+              <a:rPr lang="es-MX" sz="2200" dirty="0">
                 <a:latin typeface="Arial" pitchFamily="34" charset="0"/>
                 <a:cs typeface="Arial" pitchFamily="34" charset="0"/>
               </a:rPr>
-              <a:t>          escribir</a:t>
-            </a:r>
-            <a:r>
-              <a:rPr lang="es-MX" sz="2200" dirty="0">
-                <a:solidFill>
-                  <a:schemeClr val="bg2">
-                    <a:lumMod val="25000"/>
-                  </a:schemeClr>
-                </a:solidFill>
-                <a:latin typeface="Arial" pitchFamily="34" charset="0"/>
-                <a:cs typeface="Arial" pitchFamily="34" charset="0"/>
-              </a:rPr>
-              <a:t>(“El día es DOMINGO”)</a:t>
+              <a:t>          escribir(“El día es DOMINGO”)</a:t>
             </a:r>
           </a:p>
           <a:p>
@@ -14191,11 +14145,6 @@
             </a:pPr>
             <a:r>
               <a:rPr lang="es-MX" sz="2200" dirty="0">
-                <a:solidFill>
-                  <a:schemeClr val="bg2">
-                    <a:lumMod val="25000"/>
-                  </a:schemeClr>
-                </a:solidFill>
                 <a:latin typeface="Arial" pitchFamily="34" charset="0"/>
                 <a:cs typeface="Arial" pitchFamily="34" charset="0"/>
               </a:rPr>
@@ -14211,39 +14160,10 @@
             </a:pPr>
             <a:r>
               <a:rPr lang="es-MX" sz="2200" dirty="0">
-                <a:solidFill>
-                  <a:schemeClr val="bg2">
-                    <a:lumMod val="25000"/>
-                  </a:schemeClr>
-                </a:solidFill>
                 <a:latin typeface="Arial" pitchFamily="34" charset="0"/>
                 <a:cs typeface="Arial" pitchFamily="34" charset="0"/>
               </a:rPr>
-              <a:t>          </a:t>
-            </a:r>
-            <a:r>
-              <a:rPr lang="es-MX" sz="2200" b="1" dirty="0">
-                <a:solidFill>
-                  <a:schemeClr val="bg2">
-                    <a:lumMod val="25000"/>
-                  </a:schemeClr>
-                </a:solidFill>
-                <a:latin typeface="Arial" pitchFamily="34" charset="0"/>
-                <a:cs typeface="Arial" pitchFamily="34" charset="0"/>
-              </a:rPr>
-              <a:t>escribir</a:t>
-            </a:r>
-            <a:r>
-              <a:rPr lang="es-MX" sz="2200" dirty="0">
-                <a:solidFill>
-                  <a:schemeClr val="bg2">
-                    <a:lumMod val="25000"/>
-                  </a:schemeClr>
-                </a:solidFill>
-                <a:latin typeface="Arial" pitchFamily="34" charset="0"/>
-                <a:cs typeface="Arial" pitchFamily="34" charset="0"/>
-              </a:rPr>
-              <a:t>(“El día es LUNES”)</a:t>
+              <a:t>          escribir(“El día es LUNES”)</a:t>
             </a:r>
           </a:p>
           <a:p>
@@ -14255,11 +14175,6 @@
             </a:pPr>
             <a:r>
               <a:rPr lang="es-MX" sz="2200" dirty="0">
-                <a:solidFill>
-                  <a:schemeClr val="bg2">
-                    <a:lumMod val="25000"/>
-                  </a:schemeClr>
-                </a:solidFill>
                 <a:latin typeface="Arial" pitchFamily="34" charset="0"/>
                 <a:cs typeface="Arial" pitchFamily="34" charset="0"/>
               </a:rPr>
@@ -14274,28 +14189,11 @@
               <a:defRPr/>
             </a:pPr>
             <a:r>
-              <a:rPr lang="es-MX" sz="2200" b="1" dirty="0">
-                <a:solidFill>
-                  <a:schemeClr val="bg2">
-                    <a:lumMod val="25000"/>
-                  </a:schemeClr>
-                </a:solidFill>
+              <a:rPr lang="es-MX" sz="2200" dirty="0">
                 <a:latin typeface="Arial" pitchFamily="34" charset="0"/>
                 <a:cs typeface="Arial" pitchFamily="34" charset="0"/>
               </a:rPr>
-              <a:t>         escribir</a:t>
-            </a:r>
-            <a:r>
-              <a:rPr lang="es-MX" sz="2200" dirty="0">
-                <a:solidFill>
-                  <a:schemeClr val="bg2">
-                    <a:lumMod val="25000"/>
-                  </a:schemeClr>
-                </a:solidFill>
-                <a:latin typeface="Arial" pitchFamily="34" charset="0"/>
-                <a:cs typeface="Arial" pitchFamily="34" charset="0"/>
-              </a:rPr>
-              <a:t>(“El día es MARTES”)</a:t>
+              <a:t>         escribir(“El día es MARTES”)</a:t>
             </a:r>
           </a:p>
           <a:p>
@@ -14307,11 +14205,6 @@
             </a:pPr>
             <a:r>
               <a:rPr lang="es-MX" sz="2200" dirty="0">
-                <a:solidFill>
-                  <a:schemeClr val="bg2">
-                    <a:lumMod val="25000"/>
-                  </a:schemeClr>
-                </a:solidFill>
                 <a:latin typeface="Arial" pitchFamily="34" charset="0"/>
                 <a:cs typeface="Arial" pitchFamily="34" charset="0"/>
               </a:rPr>
@@ -14326,28 +14219,11 @@
               <a:defRPr/>
             </a:pPr>
             <a:r>
-              <a:rPr lang="es-MX" sz="2200" b="1" dirty="0">
-                <a:solidFill>
-                  <a:schemeClr val="bg2">
-                    <a:lumMod val="25000"/>
-                  </a:schemeClr>
-                </a:solidFill>
+              <a:rPr lang="es-MX" sz="2200" dirty="0">
                 <a:latin typeface="Arial" pitchFamily="34" charset="0"/>
                 <a:cs typeface="Arial" pitchFamily="34" charset="0"/>
               </a:rPr>
-              <a:t>         escribir</a:t>
-            </a:r>
-            <a:r>
-              <a:rPr lang="es-MX" sz="2200" dirty="0">
-                <a:solidFill>
-                  <a:schemeClr val="bg2">
-                    <a:lumMod val="25000"/>
-                  </a:schemeClr>
-                </a:solidFill>
-                <a:latin typeface="Arial" pitchFamily="34" charset="0"/>
-                <a:cs typeface="Arial" pitchFamily="34" charset="0"/>
-              </a:rPr>
-              <a:t>(“El día es MIERCOLES”)</a:t>
+              <a:t>         escribir(“El día es MIERCOLES”)</a:t>
             </a:r>
           </a:p>
           <a:p>
@@ -14359,11 +14235,6 @@
             </a:pPr>
             <a:r>
               <a:rPr lang="es-MX" sz="2200" dirty="0">
-                <a:solidFill>
-                  <a:schemeClr val="bg2">
-                    <a:lumMod val="25000"/>
-                  </a:schemeClr>
-                </a:solidFill>
                 <a:latin typeface="Arial" pitchFamily="34" charset="0"/>
                 <a:cs typeface="Arial" pitchFamily="34" charset="0"/>
               </a:rPr>
@@ -14378,28 +14249,11 @@
               <a:defRPr/>
             </a:pPr>
             <a:r>
-              <a:rPr lang="es-MX" sz="2200" b="1" dirty="0">
-                <a:solidFill>
-                  <a:schemeClr val="bg2">
-                    <a:lumMod val="25000"/>
-                  </a:schemeClr>
-                </a:solidFill>
+              <a:rPr lang="es-MX" sz="2200" dirty="0">
                 <a:latin typeface="Arial" pitchFamily="34" charset="0"/>
                 <a:cs typeface="Arial" pitchFamily="34" charset="0"/>
               </a:rPr>
-              <a:t>         escribir</a:t>
-            </a:r>
-            <a:r>
-              <a:rPr lang="es-MX" sz="2200" dirty="0">
-                <a:solidFill>
-                  <a:schemeClr val="bg2">
-                    <a:lumMod val="25000"/>
-                  </a:schemeClr>
-                </a:solidFill>
-                <a:latin typeface="Arial" pitchFamily="34" charset="0"/>
-                <a:cs typeface="Arial" pitchFamily="34" charset="0"/>
-              </a:rPr>
-              <a:t>(“El día es JUEVES”)</a:t>
+              <a:t>         escribir(“El día es JUEVES”)</a:t>
             </a:r>
           </a:p>
           <a:p>
@@ -14411,11 +14265,6 @@
             </a:pPr>
             <a:r>
               <a:rPr lang="es-MX" sz="2200" dirty="0">
-                <a:solidFill>
-                  <a:schemeClr val="bg2">
-                    <a:lumMod val="25000"/>
-                  </a:schemeClr>
-                </a:solidFill>
                 <a:latin typeface="Arial" pitchFamily="34" charset="0"/>
                 <a:cs typeface="Arial" pitchFamily="34" charset="0"/>
               </a:rPr>
@@ -14430,28 +14279,11 @@
               <a:defRPr/>
             </a:pPr>
             <a:r>
-              <a:rPr lang="es-MX" sz="2200" b="1" dirty="0">
-                <a:solidFill>
-                  <a:schemeClr val="bg2">
-                    <a:lumMod val="25000"/>
-                  </a:schemeClr>
-                </a:solidFill>
+              <a:rPr lang="es-MX" sz="2200" dirty="0">
                 <a:latin typeface="Arial" pitchFamily="34" charset="0"/>
                 <a:cs typeface="Arial" pitchFamily="34" charset="0"/>
               </a:rPr>
-              <a:t>         escribir</a:t>
-            </a:r>
-            <a:r>
-              <a:rPr lang="es-MX" sz="2200" dirty="0">
-                <a:solidFill>
-                  <a:schemeClr val="bg2">
-                    <a:lumMod val="25000"/>
-                  </a:schemeClr>
-                </a:solidFill>
-                <a:latin typeface="Arial" pitchFamily="34" charset="0"/>
-                <a:cs typeface="Arial" pitchFamily="34" charset="0"/>
-              </a:rPr>
-              <a:t>(“El día es VIERNES”)</a:t>
+              <a:t>         escribir(“El día es VIERNES”)</a:t>
             </a:r>
           </a:p>
           <a:p>
@@ -14463,11 +14295,6 @@
             </a:pPr>
             <a:r>
               <a:rPr lang="es-MX" sz="2200" dirty="0">
-                <a:solidFill>
-                  <a:schemeClr val="bg2">
-                    <a:lumMod val="25000"/>
-                  </a:schemeClr>
-                </a:solidFill>
                 <a:latin typeface="Arial" pitchFamily="34" charset="0"/>
                 <a:cs typeface="Arial" pitchFamily="34" charset="0"/>
               </a:rPr>
@@ -14482,28 +14309,11 @@
               <a:defRPr/>
             </a:pPr>
             <a:r>
-              <a:rPr lang="es-MX" sz="2200" b="1" dirty="0">
-                <a:solidFill>
-                  <a:schemeClr val="bg2">
-                    <a:lumMod val="25000"/>
-                  </a:schemeClr>
-                </a:solidFill>
+              <a:rPr lang="es-MX" sz="2200" dirty="0">
                 <a:latin typeface="Arial" pitchFamily="34" charset="0"/>
                 <a:cs typeface="Arial" pitchFamily="34" charset="0"/>
               </a:rPr>
-              <a:t>         escribir</a:t>
-            </a:r>
-            <a:r>
-              <a:rPr lang="es-MX" sz="2200" dirty="0">
-                <a:solidFill>
-                  <a:schemeClr val="bg2">
-                    <a:lumMod val="25000"/>
-                  </a:schemeClr>
-                </a:solidFill>
-                <a:latin typeface="Arial" pitchFamily="34" charset="0"/>
-                <a:cs typeface="Arial" pitchFamily="34" charset="0"/>
-              </a:rPr>
-              <a:t>(“El día es SÁBADO”)</a:t>
+              <a:t>         escribir(“El día es SÁBADO”)</a:t>
             </a:r>
           </a:p>
         </p:txBody>
